--- a/inna/Занятие2/Занятие 2.pptx
+++ b/inna/Занятие2/Занятие 2.pptx
@@ -123,7 +123,7 @@
   </p:defaultTextStyle>
   <p:extLst>
     <p:ext uri="{EFAFB233-063F-42B5-8137-9DF3F51BA10A}">
-      <p15:sldGuideLst xmlns="" xmlns:p15="http://schemas.microsoft.com/office/powerpoint/2012/main">
+      <p15:sldGuideLst xmlns:p15="http://schemas.microsoft.com/office/powerpoint/2012/main" xmlns="">
         <p15:guide id="1" orient="horz" pos="2160">
           <p15:clr>
             <a:srgbClr val="A4A3A4"/>
@@ -223,7 +223,7 @@
             <a:fld id="{7FCDCAFE-ED6D-40DE-BB2A-6C2FAE0E1B23}" type="datetimeFigureOut">
               <a:rPr lang="en-US" smtClean="0"/>
               <a:pPr/>
-              <a:t>09-Jan-15</a:t>
+              <a:t>14-Jan-15</a:t>
             </a:fld>
             <a:endParaRPr lang="en-US"/>
           </a:p>
@@ -392,7 +392,7 @@
     </p:spTree>
     <p:extLst>
       <p:ext uri="{BB962C8B-B14F-4D97-AF65-F5344CB8AC3E}">
-        <p14:creationId xmlns="" xmlns:p14="http://schemas.microsoft.com/office/powerpoint/2010/main" val="616035265"/>
+        <p14:creationId xmlns:p14="http://schemas.microsoft.com/office/powerpoint/2010/main" xmlns="" val="616035265"/>
       </p:ext>
     </p:extLst>
   </p:cSld>
@@ -605,6 +605,835 @@
               </a:rPr>
               <a:t>, иногда переводят, как модель "Водопад") — модель процесса разработки программного обеспечения, в которой процесс разработки выглядит как поток, последовательно проходящий фазы анализа требований, проектирования, реализации, тестирования, интеграции и поддержки. </a:t>
             </a:r>
+            <a:endParaRPr lang="ru-RU" sz="1200" i="1" kern="1200" dirty="0" smtClean="0">
+              <a:solidFill>
+                <a:schemeClr val="tx1"/>
+              </a:solidFill>
+              <a:latin typeface="+mn-lt"/>
+              <a:ea typeface="+mn-ea"/>
+              <a:cs typeface="+mn-cs"/>
+            </a:endParaRPr>
+          </a:p>
+          <a:p>
+            <a:pPr rtl="0"/>
+            <a:endParaRPr lang="ru-RU" sz="1200" i="1" kern="1200" dirty="0" smtClean="0">
+              <a:solidFill>
+                <a:schemeClr val="tx1"/>
+              </a:solidFill>
+              <a:latin typeface="+mn-lt"/>
+              <a:ea typeface="+mn-ea"/>
+              <a:cs typeface="+mn-cs"/>
+            </a:endParaRPr>
+          </a:p>
+          <a:p>
+            <a:pPr rtl="0"/>
+            <a:r>
+              <a:rPr lang="ru-RU" dirty="0" smtClean="0"/>
+              <a:t>В оригинальной каскадной модели </a:t>
+            </a:r>
+            <a:r>
+              <a:rPr lang="ru-RU" dirty="0" err="1" smtClean="0"/>
+              <a:t>Ройса</a:t>
+            </a:r>
+            <a:r>
+              <a:rPr lang="ru-RU" dirty="0" smtClean="0"/>
+              <a:t>, следующие фазы шли в таком порядке:</a:t>
+            </a:r>
+          </a:p>
+          <a:p>
+            <a:pPr rtl="0"/>
+            <a:r>
+              <a:rPr lang="ru-RU" dirty="0" smtClean="0"/>
+              <a:t>Определение требований</a:t>
+            </a:r>
+          </a:p>
+          <a:p>
+            <a:pPr rtl="0"/>
+            <a:r>
+              <a:rPr lang="ru-RU" dirty="0" smtClean="0"/>
+              <a:t>Проектирование</a:t>
+            </a:r>
+          </a:p>
+          <a:p>
+            <a:pPr rtl="0"/>
+            <a:r>
+              <a:rPr lang="ru-RU" dirty="0" smtClean="0"/>
+              <a:t>Конструирование (также «реализация» либо «кодирование»)</a:t>
+            </a:r>
+          </a:p>
+          <a:p>
+            <a:pPr rtl="0"/>
+            <a:r>
+              <a:rPr lang="ru-RU" dirty="0" smtClean="0"/>
+              <a:t>Воплощение</a:t>
+            </a:r>
+          </a:p>
+          <a:p>
+            <a:pPr rtl="0"/>
+            <a:r>
+              <a:rPr lang="ru-RU" dirty="0" smtClean="0"/>
+              <a:t>Тестирование и отладка (также «верификация»)</a:t>
+            </a:r>
+          </a:p>
+          <a:p>
+            <a:pPr rtl="0"/>
+            <a:r>
+              <a:rPr lang="ru-RU" dirty="0" smtClean="0"/>
+              <a:t>Инсталляция</a:t>
+            </a:r>
+          </a:p>
+          <a:p>
+            <a:pPr rtl="0"/>
+            <a:r>
+              <a:rPr lang="ru-RU" dirty="0" smtClean="0"/>
+              <a:t>Поддержка</a:t>
+            </a:r>
+          </a:p>
+          <a:p>
+            <a:pPr rtl="0"/>
+            <a:r>
+              <a:rPr lang="ru-RU" dirty="0" smtClean="0"/>
+              <a:t>Переход от одной фазы к другой происходит только после полного и успешного завершения предыдущей</a:t>
+            </a:r>
+          </a:p>
+          <a:p>
+            <a:pPr rtl="0"/>
+            <a:r>
+              <a:rPr lang="ru-RU" dirty="0" smtClean="0"/>
+              <a:t>Следуя каскадной модели, разработчик переходит от одной стадии к другой строго последовательно. Сначала полностью завершается этап «определение требований», в результате чего получается список требований к ПО. После того как требования полностью определены, происходит переход к проектированию, в ходе которого создаются документы, подробно описывающие для программистов способ и план реализации указанных требований. После того как проектирование полностью выполнено, программистами выполняется реализация полученного проекта. На следующей стадии процесса происходит интеграция отдельных компонентов, разрабатываемых различными командами программистов. После того как реализация и интеграция завершены, производится тестирование и отладка продукта; на этой стадии устраняются все недочёты, появившиеся на предыдущих стадиях разработки. После этого программный продукт внедряется и обеспечивается его поддержка — внесение новой функциональности и устранение ошибок.</a:t>
+            </a:r>
+          </a:p>
+          <a:p>
+            <a:pPr rtl="0"/>
+            <a:r>
+              <a:rPr lang="ru-RU" dirty="0" smtClean="0"/>
+              <a:t>Тем самым, каскадная модель подразумевает, что переход от одной фазы разработки к другой происходит только после полного и успешного завершения предыдущей фазы, и что переходов назад либо вперёд или перекрытия фаз — не происходит.</a:t>
+            </a:r>
+          </a:p>
+          <a:p>
+            <a:pPr rtl="0"/>
+            <a:endParaRPr lang="ru-RU" dirty="0" smtClean="0"/>
+          </a:p>
+          <a:p>
+            <a:pPr rtl="0"/>
+            <a:r>
+              <a:rPr lang="ru-RU" dirty="0" smtClean="0"/>
+              <a:t>В данной модели разработки ПО не учитывается третий принцип тестирования, что может привести к тому,</a:t>
+            </a:r>
+            <a:r>
+              <a:rPr lang="ru-RU" baseline="0" dirty="0" smtClean="0"/>
+              <a:t> что исправлять ошибки в ПО будет тем дороже, чем на более ранней стадии она была внесена.</a:t>
+            </a:r>
+          </a:p>
+          <a:p>
+            <a:pPr rtl="0"/>
+            <a:r>
+              <a:rPr lang="ru-RU" baseline="0" dirty="0" smtClean="0"/>
+              <a:t>Рассмотрим примеры.</a:t>
+            </a:r>
+          </a:p>
+          <a:p>
+            <a:pPr rtl="0"/>
+            <a:endParaRPr lang="ru-RU" baseline="0" dirty="0" smtClean="0"/>
+          </a:p>
+          <a:p>
+            <a:pPr rtl="0"/>
+            <a:r>
+              <a:rPr lang="ru-RU" b="1" baseline="0" dirty="0" smtClean="0"/>
+              <a:t>Ошибка допущена на стадии разработки требований, то есть в самом начале пути.</a:t>
+            </a:r>
+          </a:p>
+          <a:p>
+            <a:pPr rtl="0"/>
+            <a:r>
+              <a:rPr lang="ru-RU" dirty="0" smtClean="0"/>
+              <a:t>Недостаточные</a:t>
+            </a:r>
+            <a:r>
+              <a:rPr lang="ru-RU" baseline="0" dirty="0" smtClean="0"/>
+              <a:t> требования, описывающие поиск по сайту: не описано, как должна реагировать система при вводе специальных символов в поле для поиска.</a:t>
+            </a:r>
+          </a:p>
+          <a:p>
+            <a:pPr rtl="0"/>
+            <a:r>
+              <a:rPr lang="ru-RU" baseline="0" dirty="0" smtClean="0"/>
+              <a:t>На стадии эксплуатации этим могут воспользоваться злоумышленники.</a:t>
+            </a:r>
+          </a:p>
+          <a:p>
+            <a:pPr>
+              <a:buClr>
+                <a:srgbClr val="1EA913"/>
+              </a:buClr>
+              <a:buSzPct val="150000"/>
+            </a:pPr>
+            <a:r>
+              <a:rPr lang="en-US" dirty="0" err="1" smtClean="0">
+                <a:latin typeface="Courier New" panose="02070309020205020404" pitchFamily="49" charset="0"/>
+                <a:cs typeface="Courier New" panose="02070309020205020404" pitchFamily="49" charset="0"/>
+              </a:rPr>
+              <a:t>var</a:t>
+            </a:r>
+            <a:r>
+              <a:rPr lang="en-US" dirty="0" smtClean="0">
+                <a:latin typeface="Courier New" panose="02070309020205020404" pitchFamily="49" charset="0"/>
+                <a:cs typeface="Courier New" panose="02070309020205020404" pitchFamily="49" charset="0"/>
+              </a:rPr>
+              <a:t> </a:t>
+            </a:r>
+            <a:r>
+              <a:rPr lang="en-US" dirty="0" err="1" smtClean="0">
+                <a:latin typeface="Courier New" panose="02070309020205020404" pitchFamily="49" charset="0"/>
+                <a:cs typeface="Courier New" panose="02070309020205020404" pitchFamily="49" charset="0"/>
+              </a:rPr>
+              <a:t>SearchStr</a:t>
+            </a:r>
+            <a:r>
+              <a:rPr lang="en-US" dirty="0" smtClean="0">
+                <a:latin typeface="Courier New" panose="02070309020205020404" pitchFamily="49" charset="0"/>
+                <a:cs typeface="Courier New" panose="02070309020205020404" pitchFamily="49" charset="0"/>
+              </a:rPr>
+              <a:t>;</a:t>
+            </a:r>
+          </a:p>
+          <a:p>
+            <a:pPr>
+              <a:buClr>
+                <a:srgbClr val="1EA913"/>
+              </a:buClr>
+              <a:buSzPct val="150000"/>
+            </a:pPr>
+            <a:r>
+              <a:rPr lang="en-US" dirty="0" err="1" smtClean="0">
+                <a:latin typeface="Courier New" panose="02070309020205020404" pitchFamily="49" charset="0"/>
+                <a:cs typeface="Courier New" panose="02070309020205020404" pitchFamily="49" charset="0"/>
+              </a:rPr>
+              <a:t>SearchStr</a:t>
+            </a:r>
+            <a:r>
+              <a:rPr lang="en-US" dirty="0" smtClean="0">
+                <a:latin typeface="Courier New" panose="02070309020205020404" pitchFamily="49" charset="0"/>
+                <a:cs typeface="Courier New" panose="02070309020205020404" pitchFamily="49" charset="0"/>
+              </a:rPr>
+              <a:t> = </a:t>
+            </a:r>
+            <a:r>
+              <a:rPr lang="en-US" dirty="0" err="1" smtClean="0">
+                <a:latin typeface="Courier New" panose="02070309020205020404" pitchFamily="49" charset="0"/>
+                <a:cs typeface="Courier New" panose="02070309020205020404" pitchFamily="49" charset="0"/>
+              </a:rPr>
+              <a:t>TextBoxSearch.Value</a:t>
+            </a:r>
+            <a:r>
+              <a:rPr lang="en-US" dirty="0" smtClean="0">
+                <a:latin typeface="Courier New" panose="02070309020205020404" pitchFamily="49" charset="0"/>
+                <a:cs typeface="Courier New" panose="02070309020205020404" pitchFamily="49" charset="0"/>
+              </a:rPr>
+              <a:t>();</a:t>
+            </a:r>
+          </a:p>
+          <a:p>
+            <a:pPr>
+              <a:buClr>
+                <a:srgbClr val="1EA913"/>
+              </a:buClr>
+              <a:buSzPct val="150000"/>
+            </a:pPr>
+            <a:r>
+              <a:rPr lang="en-US" dirty="0" err="1" smtClean="0">
+                <a:latin typeface="Courier New" panose="02070309020205020404" pitchFamily="49" charset="0"/>
+                <a:cs typeface="Courier New" panose="02070309020205020404" pitchFamily="49" charset="0"/>
+              </a:rPr>
+              <a:t>var</a:t>
+            </a:r>
+            <a:r>
+              <a:rPr lang="en-US" dirty="0" smtClean="0">
+                <a:latin typeface="Courier New" panose="02070309020205020404" pitchFamily="49" charset="0"/>
+                <a:cs typeface="Courier New" panose="02070309020205020404" pitchFamily="49" charset="0"/>
+              </a:rPr>
+              <a:t> </a:t>
+            </a:r>
+            <a:r>
+              <a:rPr lang="en-US" dirty="0" err="1" smtClean="0">
+                <a:latin typeface="Courier New" panose="02070309020205020404" pitchFamily="49" charset="0"/>
+                <a:cs typeface="Courier New" panose="02070309020205020404" pitchFamily="49" charset="0"/>
+              </a:rPr>
+              <a:t>sql</a:t>
+            </a:r>
+            <a:r>
+              <a:rPr lang="en-US" dirty="0" smtClean="0">
+                <a:latin typeface="Courier New" panose="02070309020205020404" pitchFamily="49" charset="0"/>
+                <a:cs typeface="Courier New" panose="02070309020205020404" pitchFamily="49" charset="0"/>
+              </a:rPr>
+              <a:t> =</a:t>
+            </a:r>
+            <a:r>
+              <a:rPr lang="ru-RU" dirty="0" smtClean="0">
+                <a:latin typeface="Courier New" panose="02070309020205020404" pitchFamily="49" charset="0"/>
+                <a:cs typeface="Courier New" panose="02070309020205020404" pitchFamily="49" charset="0"/>
+              </a:rPr>
+              <a:t> </a:t>
+            </a:r>
+            <a:r>
+              <a:rPr lang="en-US" dirty="0" smtClean="0">
+                <a:latin typeface="Courier New" panose="02070309020205020404" pitchFamily="49" charset="0"/>
+                <a:cs typeface="Courier New" panose="02070309020205020404" pitchFamily="49" charset="0"/>
+              </a:rPr>
+              <a:t>"select * from Article</a:t>
+            </a:r>
+            <a:r>
+              <a:rPr lang="ru-RU" dirty="0" err="1" smtClean="0">
+                <a:latin typeface="Courier New" panose="02070309020205020404" pitchFamily="49" charset="0"/>
+                <a:cs typeface="Courier New" panose="02070309020205020404" pitchFamily="49" charset="0"/>
+              </a:rPr>
+              <a:t>sTable</a:t>
+            </a:r>
+            <a:r>
+              <a:rPr lang="en-US" dirty="0" smtClean="0">
+                <a:latin typeface="Courier New" panose="02070309020205020404" pitchFamily="49" charset="0"/>
+                <a:cs typeface="Courier New" panose="02070309020205020404" pitchFamily="49" charset="0"/>
+              </a:rPr>
+              <a:t> where </a:t>
+            </a:r>
+            <a:r>
+              <a:rPr lang="en-US" dirty="0" err="1" smtClean="0">
+                <a:latin typeface="Courier New" panose="02070309020205020404" pitchFamily="49" charset="0"/>
+                <a:cs typeface="Courier New" panose="02070309020205020404" pitchFamily="49" charset="0"/>
+              </a:rPr>
+              <a:t>ArticleName</a:t>
+            </a:r>
+            <a:r>
+              <a:rPr lang="en-US" dirty="0" smtClean="0">
+                <a:latin typeface="Courier New" panose="02070309020205020404" pitchFamily="49" charset="0"/>
+                <a:cs typeface="Courier New" panose="02070309020205020404" pitchFamily="49" charset="0"/>
+              </a:rPr>
+              <a:t> = ‘”</a:t>
+            </a:r>
+            <a:r>
+              <a:rPr lang="ru-RU" dirty="0" smtClean="0">
+                <a:latin typeface="Courier New" panose="02070309020205020404" pitchFamily="49" charset="0"/>
+                <a:cs typeface="Courier New" panose="02070309020205020404" pitchFamily="49" charset="0"/>
+              </a:rPr>
+              <a:t> </a:t>
+            </a:r>
+            <a:r>
+              <a:rPr lang="en-US" dirty="0" smtClean="0">
+                <a:latin typeface="Courier New" panose="02070309020205020404" pitchFamily="49" charset="0"/>
+                <a:cs typeface="Courier New" panose="02070309020205020404" pitchFamily="49" charset="0"/>
+              </a:rPr>
+              <a:t>+ </a:t>
+            </a:r>
+            <a:r>
+              <a:rPr lang="en-US" dirty="0" err="1" smtClean="0">
+                <a:latin typeface="Courier New" panose="02070309020205020404" pitchFamily="49" charset="0"/>
+                <a:cs typeface="Courier New" panose="02070309020205020404" pitchFamily="49" charset="0"/>
+              </a:rPr>
+              <a:t>SearchStr</a:t>
+            </a:r>
+            <a:r>
+              <a:rPr lang="en-US" dirty="0" smtClean="0">
+                <a:latin typeface="Courier New" panose="02070309020205020404" pitchFamily="49" charset="0"/>
+                <a:cs typeface="Courier New" panose="02070309020205020404" pitchFamily="49" charset="0"/>
+              </a:rPr>
+              <a:t> + "'";</a:t>
+            </a:r>
+          </a:p>
+          <a:p>
+            <a:pPr lvl="1">
+              <a:buClr>
+                <a:srgbClr val="1EA913"/>
+              </a:buClr>
+              <a:buSzPct val="150000"/>
+            </a:pPr>
+            <a:endParaRPr lang="en-US" dirty="0" smtClean="0">
+              <a:latin typeface="Courier New" panose="02070309020205020404" pitchFamily="49" charset="0"/>
+              <a:cs typeface="Courier New" panose="02070309020205020404" pitchFamily="49" charset="0"/>
+            </a:endParaRPr>
+          </a:p>
+          <a:p>
+            <a:r>
+              <a:rPr lang="ru-RU" dirty="0" smtClean="0"/>
+              <a:t>Если пользователь вводит </a:t>
+            </a:r>
+            <a:r>
+              <a:rPr lang="en-US" dirty="0" smtClean="0">
+                <a:latin typeface="Courier New" panose="02070309020205020404" pitchFamily="49" charset="0"/>
+                <a:cs typeface="Courier New" panose="02070309020205020404" pitchFamily="49" charset="0"/>
+              </a:rPr>
+              <a:t>Cars</a:t>
+            </a:r>
+            <a:r>
+              <a:rPr lang="ru-RU" dirty="0" smtClean="0"/>
+              <a:t>, то запрос, построенный с помощью сценария, выглядит приблизительно так:</a:t>
+            </a:r>
+          </a:p>
+          <a:p>
+            <a:r>
+              <a:rPr lang="ru-RU" dirty="0" smtClean="0">
+                <a:latin typeface="Courier New" panose="02070309020205020404" pitchFamily="49" charset="0"/>
+                <a:cs typeface="Courier New" panose="02070309020205020404" pitchFamily="49" charset="0"/>
+              </a:rPr>
+              <a:t>SELECT * FROM </a:t>
+            </a:r>
+            <a:r>
+              <a:rPr lang="en-US" dirty="0" smtClean="0">
+                <a:latin typeface="Courier New" panose="02070309020205020404" pitchFamily="49" charset="0"/>
+                <a:cs typeface="Courier New" panose="02070309020205020404" pitchFamily="49" charset="0"/>
+              </a:rPr>
+              <a:t>Article</a:t>
+            </a:r>
+            <a:r>
+              <a:rPr lang="ru-RU" dirty="0" err="1" smtClean="0">
+                <a:latin typeface="Courier New" panose="02070309020205020404" pitchFamily="49" charset="0"/>
+                <a:cs typeface="Courier New" panose="02070309020205020404" pitchFamily="49" charset="0"/>
+              </a:rPr>
+              <a:t>sTable</a:t>
+            </a:r>
+            <a:r>
+              <a:rPr lang="ru-RU" dirty="0" smtClean="0">
+                <a:latin typeface="Courier New" panose="02070309020205020404" pitchFamily="49" charset="0"/>
+                <a:cs typeface="Courier New" panose="02070309020205020404" pitchFamily="49" charset="0"/>
+              </a:rPr>
+              <a:t> WHERE </a:t>
+            </a:r>
+            <a:r>
+              <a:rPr lang="en-US" dirty="0" err="1" smtClean="0">
+                <a:latin typeface="Courier New" panose="02070309020205020404" pitchFamily="49" charset="0"/>
+                <a:cs typeface="Courier New" panose="02070309020205020404" pitchFamily="49" charset="0"/>
+              </a:rPr>
+              <a:t>ArticleName</a:t>
+            </a:r>
+            <a:r>
+              <a:rPr lang="ru-RU" dirty="0" smtClean="0">
+                <a:latin typeface="Courier New" panose="02070309020205020404" pitchFamily="49" charset="0"/>
+                <a:cs typeface="Courier New" panose="02070309020205020404" pitchFamily="49" charset="0"/>
+              </a:rPr>
+              <a:t> = ‘</a:t>
+            </a:r>
+            <a:r>
+              <a:rPr lang="en-US" dirty="0" smtClean="0">
+                <a:latin typeface="Courier New" panose="02070309020205020404" pitchFamily="49" charset="0"/>
+                <a:cs typeface="Courier New" panose="02070309020205020404" pitchFamily="49" charset="0"/>
+              </a:rPr>
+              <a:t>Cars</a:t>
+            </a:r>
+            <a:r>
+              <a:rPr lang="ru-RU" dirty="0" smtClean="0">
+                <a:latin typeface="Courier New" panose="02070309020205020404" pitchFamily="49" charset="0"/>
+                <a:cs typeface="Courier New" panose="02070309020205020404" pitchFamily="49" charset="0"/>
+              </a:rPr>
+              <a:t>'</a:t>
+            </a:r>
+          </a:p>
+          <a:p>
+            <a:pPr lvl="1">
+              <a:buClr>
+                <a:srgbClr val="1EA913"/>
+              </a:buClr>
+              <a:buSzPct val="150000"/>
+            </a:pPr>
+            <a:endParaRPr lang="en-US" dirty="0" smtClean="0"/>
+          </a:p>
+          <a:p>
+            <a:r>
+              <a:rPr lang="ru-RU" dirty="0" smtClean="0"/>
+              <a:t>Предположим, однако, что пользователь вводит следующее: </a:t>
+            </a:r>
+          </a:p>
+          <a:p>
+            <a:r>
+              <a:rPr lang="en-US" dirty="0" smtClean="0">
+                <a:latin typeface="Courier New" panose="02070309020205020404" pitchFamily="49" charset="0"/>
+                <a:cs typeface="Courier New" panose="02070309020205020404" pitchFamily="49" charset="0"/>
+              </a:rPr>
+              <a:t>Cars'; drop table Article</a:t>
+            </a:r>
+            <a:r>
+              <a:rPr lang="ru-RU" dirty="0" err="1" smtClean="0">
+                <a:latin typeface="Courier New" panose="02070309020205020404" pitchFamily="49" charset="0"/>
+                <a:cs typeface="Courier New" panose="02070309020205020404" pitchFamily="49" charset="0"/>
+              </a:rPr>
+              <a:t>sTable</a:t>
+            </a:r>
+            <a:r>
+              <a:rPr lang="en-US" dirty="0" smtClean="0">
+                <a:latin typeface="Courier New" panose="02070309020205020404" pitchFamily="49" charset="0"/>
+                <a:cs typeface="Courier New" panose="02070309020205020404" pitchFamily="49" charset="0"/>
+              </a:rPr>
+              <a:t> -- </a:t>
+            </a:r>
+          </a:p>
+          <a:p>
+            <a:endParaRPr lang="en-US" dirty="0" smtClean="0"/>
+          </a:p>
+          <a:p>
+            <a:r>
+              <a:rPr lang="ru-RU" dirty="0" smtClean="0"/>
+              <a:t>В этом случае запрос, построенный сценарием, будет следующим:</a:t>
+            </a:r>
+          </a:p>
+          <a:p>
+            <a:r>
+              <a:rPr lang="en-US" dirty="0" smtClean="0">
+                <a:latin typeface="Courier New" panose="02070309020205020404" pitchFamily="49" charset="0"/>
+                <a:cs typeface="Courier New" panose="02070309020205020404" pitchFamily="49" charset="0"/>
+              </a:rPr>
+              <a:t>SELECT * FROM Article</a:t>
+            </a:r>
+            <a:r>
+              <a:rPr lang="ru-RU" dirty="0" err="1" smtClean="0">
+                <a:latin typeface="Courier New" panose="02070309020205020404" pitchFamily="49" charset="0"/>
+                <a:cs typeface="Courier New" panose="02070309020205020404" pitchFamily="49" charset="0"/>
+              </a:rPr>
+              <a:t>sTable</a:t>
+            </a:r>
+            <a:r>
+              <a:rPr lang="en-US" dirty="0" smtClean="0">
+                <a:latin typeface="Courier New" panose="02070309020205020404" pitchFamily="49" charset="0"/>
+                <a:cs typeface="Courier New" panose="02070309020205020404" pitchFamily="49" charset="0"/>
+              </a:rPr>
+              <a:t> WHERE </a:t>
+            </a:r>
+            <a:r>
+              <a:rPr lang="en-US" dirty="0" err="1" smtClean="0">
+                <a:latin typeface="Courier New" panose="02070309020205020404" pitchFamily="49" charset="0"/>
+                <a:cs typeface="Courier New" panose="02070309020205020404" pitchFamily="49" charset="0"/>
+              </a:rPr>
+              <a:t>ArticleName</a:t>
+            </a:r>
+            <a:r>
+              <a:rPr lang="en-US" dirty="0" smtClean="0">
+                <a:latin typeface="Courier New" panose="02070309020205020404" pitchFamily="49" charset="0"/>
+                <a:cs typeface="Courier New" panose="02070309020205020404" pitchFamily="49" charset="0"/>
+              </a:rPr>
+              <a:t> = 'Cars'; drop table Article</a:t>
+            </a:r>
+            <a:r>
+              <a:rPr lang="ru-RU" dirty="0" err="1" smtClean="0">
+                <a:latin typeface="Courier New" panose="02070309020205020404" pitchFamily="49" charset="0"/>
+                <a:cs typeface="Courier New" panose="02070309020205020404" pitchFamily="49" charset="0"/>
+              </a:rPr>
+              <a:t>sTable</a:t>
+            </a:r>
+            <a:r>
+              <a:rPr lang="en-US" dirty="0" smtClean="0">
+                <a:latin typeface="Courier New" panose="02070309020205020404" pitchFamily="49" charset="0"/>
+                <a:cs typeface="Courier New" panose="02070309020205020404" pitchFamily="49" charset="0"/>
+              </a:rPr>
+              <a:t> --‘</a:t>
+            </a:r>
+          </a:p>
+          <a:p>
+            <a:endParaRPr lang="en-US" dirty="0" smtClean="0">
+              <a:latin typeface="Courier New" panose="02070309020205020404" pitchFamily="49" charset="0"/>
+              <a:cs typeface="Courier New" panose="02070309020205020404" pitchFamily="49" charset="0"/>
+            </a:endParaRPr>
+          </a:p>
+          <a:p>
+            <a:r>
+              <a:rPr lang="ru-RU" dirty="0" smtClean="0"/>
+              <a:t>Таким образом будет удалена целая таблица</a:t>
+            </a:r>
+            <a:r>
+              <a:rPr lang="ru-RU" baseline="0" dirty="0" smtClean="0"/>
+              <a:t> </a:t>
+            </a:r>
+            <a:r>
+              <a:rPr lang="en-US" dirty="0" smtClean="0">
+                <a:latin typeface="Courier New" panose="02070309020205020404" pitchFamily="49" charset="0"/>
+                <a:cs typeface="Courier New" panose="02070309020205020404" pitchFamily="49" charset="0"/>
+              </a:rPr>
+              <a:t>Article</a:t>
+            </a:r>
+            <a:r>
+              <a:rPr lang="ru-RU" dirty="0" err="1" smtClean="0">
+                <a:latin typeface="Courier New" panose="02070309020205020404" pitchFamily="49" charset="0"/>
+                <a:cs typeface="Courier New" panose="02070309020205020404" pitchFamily="49" charset="0"/>
+              </a:rPr>
+              <a:t>sTable</a:t>
+            </a:r>
+            <a:r>
+              <a:rPr lang="ru-RU" dirty="0" smtClean="0">
+                <a:latin typeface="Courier New" panose="02070309020205020404" pitchFamily="49" charset="0"/>
+                <a:cs typeface="Courier New" panose="02070309020205020404" pitchFamily="49" charset="0"/>
+              </a:rPr>
+              <a:t>, то есть будет иметь место потеря данных.</a:t>
+            </a:r>
+          </a:p>
+          <a:p>
+            <a:r>
+              <a:rPr lang="ru-RU" dirty="0" smtClean="0">
+                <a:latin typeface="Courier New" panose="02070309020205020404" pitchFamily="49" charset="0"/>
+                <a:cs typeface="Courier New" panose="02070309020205020404" pitchFamily="49" charset="0"/>
+              </a:rPr>
+              <a:t>В принципе, вместо </a:t>
+            </a:r>
+            <a:r>
+              <a:rPr lang="en-US" dirty="0" smtClean="0">
+                <a:latin typeface="Courier New" panose="02070309020205020404" pitchFamily="49" charset="0"/>
+                <a:cs typeface="Courier New" panose="02070309020205020404" pitchFamily="49" charset="0"/>
+              </a:rPr>
+              <a:t>drop table Article</a:t>
+            </a:r>
+            <a:r>
+              <a:rPr lang="ru-RU" dirty="0" err="1" smtClean="0">
+                <a:latin typeface="Courier New" panose="02070309020205020404" pitchFamily="49" charset="0"/>
+                <a:cs typeface="Courier New" panose="02070309020205020404" pitchFamily="49" charset="0"/>
+              </a:rPr>
+              <a:t>sTable</a:t>
+            </a:r>
+            <a:r>
+              <a:rPr lang="ru-RU" dirty="0" smtClean="0">
+                <a:latin typeface="Courier New" panose="02070309020205020404" pitchFamily="49" charset="0"/>
+                <a:cs typeface="Courier New" panose="02070309020205020404" pitchFamily="49" charset="0"/>
+              </a:rPr>
+              <a:t> мог быть любой другой оператор.</a:t>
+            </a:r>
+          </a:p>
+          <a:p>
+            <a:endParaRPr lang="ru-RU" dirty="0" smtClean="0">
+              <a:latin typeface="Courier New" panose="02070309020205020404" pitchFamily="49" charset="0"/>
+              <a:cs typeface="Courier New" panose="02070309020205020404" pitchFamily="49" charset="0"/>
+            </a:endParaRPr>
+          </a:p>
+          <a:p>
+            <a:r>
+              <a:rPr lang="ru-RU" b="1" baseline="0" dirty="0" smtClean="0"/>
+              <a:t>Ошибка допущена на стадии дизайна</a:t>
+            </a:r>
+            <a:endParaRPr lang="ru-RU" dirty="0" smtClean="0">
+              <a:latin typeface="Courier New" panose="02070309020205020404" pitchFamily="49" charset="0"/>
+              <a:cs typeface="Courier New" panose="02070309020205020404" pitchFamily="49" charset="0"/>
+            </a:endParaRPr>
+          </a:p>
+          <a:p>
+            <a:r>
+              <a:rPr lang="ru-RU" dirty="0" smtClean="0"/>
+              <a:t>Схема базы данных должна быть продумана таким</a:t>
+            </a:r>
+            <a:r>
+              <a:rPr lang="ru-RU" baseline="0" dirty="0" smtClean="0"/>
+              <a:t> образом, что ее легко расширить.</a:t>
+            </a:r>
+          </a:p>
+          <a:p>
+            <a:r>
+              <a:rPr lang="ru-RU" baseline="0" dirty="0" smtClean="0"/>
+              <a:t>Например, в базе данных хранится адрес клиента одним полем. В какой-то момент решили реализовать поиск по названию города, в котором живет клиент.</a:t>
+            </a:r>
+            <a:endParaRPr lang="ru-RU" dirty="0" smtClean="0"/>
+          </a:p>
+          <a:p>
+            <a:pPr rtl="0"/>
+            <a:endParaRPr lang="ru-RU" dirty="0" smtClean="0"/>
+          </a:p>
+          <a:p>
+            <a:pPr rtl="0"/>
+            <a:r>
+              <a:rPr lang="ru-RU" dirty="0" smtClean="0"/>
+              <a:t>Программисту надо</a:t>
+            </a:r>
+            <a:r>
+              <a:rPr lang="ru-RU" baseline="0" dirty="0" smtClean="0"/>
+              <a:t> будет написать </a:t>
+            </a:r>
+            <a:r>
+              <a:rPr lang="ru-RU" baseline="0" dirty="0" err="1" smtClean="0"/>
+              <a:t>скрипт</a:t>
+            </a:r>
+            <a:r>
+              <a:rPr lang="ru-RU" baseline="0" dirty="0" smtClean="0"/>
+              <a:t>, который разбивает поле адреса на несколько полей (город, улицы, номер дома и т.д.) и еще уже имеющие данные об адресе клиентов вписывает в эти поля.</a:t>
+            </a:r>
+          </a:p>
+          <a:p>
+            <a:pPr rtl="0"/>
+            <a:r>
+              <a:rPr lang="ru-RU" baseline="0" dirty="0" smtClean="0"/>
+              <a:t>Это может оказаться нетривиальной задачей, может привести к потере данных (если не все правильно работает).</a:t>
+            </a:r>
+          </a:p>
+          <a:p>
+            <a:pPr rtl="0"/>
+            <a:endParaRPr lang="ru-RU" baseline="0" dirty="0" smtClean="0"/>
+          </a:p>
+          <a:p>
+            <a:pPr rtl="0"/>
+            <a:r>
+              <a:rPr lang="ru-RU" baseline="0" dirty="0" smtClean="0"/>
+              <a:t>Казалось бы такая простая вещь, как поиск по названию города, может привести к таким сложностям.</a:t>
+            </a:r>
+          </a:p>
+          <a:p>
+            <a:pPr rtl="0"/>
+            <a:endParaRPr lang="ru-RU" baseline="0" dirty="0" smtClean="0"/>
+          </a:p>
+          <a:p>
+            <a:pPr marL="0" marR="0" indent="0" algn="l" defTabSz="914400" rtl="0" eaLnBrk="1" fontAlgn="auto" latinLnBrk="0" hangingPunct="1">
+              <a:lnSpc>
+                <a:spcPct val="100000"/>
+              </a:lnSpc>
+              <a:spcBef>
+                <a:spcPts val="0"/>
+              </a:spcBef>
+              <a:spcAft>
+                <a:spcPts val="0"/>
+              </a:spcAft>
+              <a:buClrTx/>
+              <a:buSzTx/>
+              <a:buFontTx/>
+              <a:buNone/>
+              <a:tabLst/>
+              <a:defRPr/>
+            </a:pPr>
+            <a:r>
+              <a:rPr lang="ru-RU" b="1" baseline="0" dirty="0" smtClean="0"/>
+              <a:t>Ошибка допущена на стадии реализации</a:t>
+            </a:r>
+            <a:endParaRPr lang="ru-RU" dirty="0" smtClean="0">
+              <a:latin typeface="Courier New" panose="02070309020205020404" pitchFamily="49" charset="0"/>
+              <a:cs typeface="Courier New" panose="02070309020205020404" pitchFamily="49" charset="0"/>
+            </a:endParaRPr>
+          </a:p>
+          <a:p>
+            <a:pPr rtl="0"/>
+            <a:r>
+              <a:rPr lang="ru-RU" baseline="0" dirty="0" smtClean="0"/>
+              <a:t>Было упущено из виду, что информация о пользователе включат не только ФИО, </a:t>
+            </a:r>
+            <a:r>
+              <a:rPr lang="ru-RU" baseline="0" dirty="0" err="1" smtClean="0"/>
+              <a:t>имейл</a:t>
+            </a:r>
+            <a:r>
+              <a:rPr lang="ru-RU" baseline="0" dirty="0" smtClean="0"/>
+              <a:t>, но еще и номер телефона. Все уже реализовано: и форма регистрации, и форма поиска.</a:t>
+            </a:r>
+          </a:p>
+          <a:p>
+            <a:pPr rtl="0"/>
+            <a:r>
+              <a:rPr lang="ru-RU" baseline="0" dirty="0" smtClean="0"/>
+              <a:t>Затем во время верификации становится ясно, что на этих формах не хватает еще и телефона.</a:t>
+            </a:r>
+          </a:p>
+          <a:p>
+            <a:pPr rtl="0"/>
+            <a:r>
+              <a:rPr lang="ru-RU" baseline="0" dirty="0" smtClean="0"/>
+              <a:t>Программисту придется менять их все.</a:t>
+            </a:r>
+          </a:p>
+          <a:p>
+            <a:pPr rtl="0"/>
+            <a:r>
+              <a:rPr lang="ru-RU" baseline="0" dirty="0" smtClean="0"/>
+              <a:t>Если бы во время реализации проводилось тестирование того, что уже готово, то </a:t>
+            </a:r>
+            <a:r>
+              <a:rPr lang="ru-RU" baseline="0" dirty="0" err="1" smtClean="0"/>
+              <a:t>тестировщик</a:t>
+            </a:r>
+            <a:r>
+              <a:rPr lang="ru-RU" baseline="0" dirty="0" smtClean="0"/>
+              <a:t> мог заметить этот дефект на форме регистрации, тогда бы программист во время это учел, и форма поиска была бы реализована правильно.</a:t>
+            </a:r>
+          </a:p>
+          <a:p>
+            <a:pPr rtl="0"/>
+            <a:endParaRPr lang="ru-RU" baseline="0" dirty="0" smtClean="0"/>
+          </a:p>
+          <a:p>
+            <a:pPr marL="0" marR="0" indent="0" algn="l" defTabSz="914400" rtl="0" eaLnBrk="1" fontAlgn="auto" latinLnBrk="0" hangingPunct="1">
+              <a:lnSpc>
+                <a:spcPct val="100000"/>
+              </a:lnSpc>
+              <a:spcBef>
+                <a:spcPts val="0"/>
+              </a:spcBef>
+              <a:spcAft>
+                <a:spcPts val="0"/>
+              </a:spcAft>
+              <a:buClrTx/>
+              <a:buSzTx/>
+              <a:buFontTx/>
+              <a:buNone/>
+              <a:tabLst/>
+              <a:defRPr/>
+            </a:pPr>
+            <a:r>
+              <a:rPr lang="ru-RU" b="1" baseline="0" dirty="0" smtClean="0"/>
+              <a:t>Ошибка допущена на стадии верификации</a:t>
+            </a:r>
+            <a:endParaRPr lang="ru-RU" dirty="0" smtClean="0">
+              <a:latin typeface="Courier New" panose="02070309020205020404" pitchFamily="49" charset="0"/>
+              <a:cs typeface="Courier New" panose="02070309020205020404" pitchFamily="49" charset="0"/>
+            </a:endParaRPr>
+          </a:p>
+          <a:p>
+            <a:pPr rtl="0"/>
+            <a:r>
+              <a:rPr lang="ru-RU" dirty="0" err="1" smtClean="0"/>
+              <a:t>Тестировщик</a:t>
+            </a:r>
+            <a:r>
+              <a:rPr lang="ru-RU" dirty="0" smtClean="0"/>
+              <a:t> упустил из виду, что при регистрации пользователя его домашний телефон записывается в поле для мобильного, и наоборот.</a:t>
+            </a:r>
+          </a:p>
+          <a:p>
+            <a:pPr rtl="0"/>
+            <a:r>
+              <a:rPr lang="ru-RU" dirty="0" smtClean="0"/>
+              <a:t>На стадии эксплуатации пользователи</a:t>
+            </a:r>
+            <a:r>
+              <a:rPr lang="ru-RU" baseline="0" dirty="0" smtClean="0"/>
+              <a:t> по получают уведомления на мобильный из-за того, что они приходят на домашний, стационарный номер.</a:t>
+            </a:r>
+          </a:p>
+          <a:p>
+            <a:pPr rtl="0"/>
+            <a:endParaRPr lang="ru-RU" baseline="0" dirty="0" smtClean="0"/>
+          </a:p>
+          <a:p>
+            <a:pPr marL="0" marR="0" indent="0" algn="l" defTabSz="914400" rtl="0" eaLnBrk="1" fontAlgn="auto" latinLnBrk="0" hangingPunct="1">
+              <a:lnSpc>
+                <a:spcPct val="100000"/>
+              </a:lnSpc>
+              <a:spcBef>
+                <a:spcPts val="0"/>
+              </a:spcBef>
+              <a:spcAft>
+                <a:spcPts val="0"/>
+              </a:spcAft>
+              <a:buClrTx/>
+              <a:buSzTx/>
+              <a:buFontTx/>
+              <a:buNone/>
+              <a:tabLst/>
+              <a:defRPr/>
+            </a:pPr>
+            <a:r>
+              <a:rPr lang="ru-RU" b="1" baseline="0" dirty="0" smtClean="0"/>
+              <a:t>Ошибка допущена на стадии сопровождения</a:t>
+            </a:r>
+            <a:endParaRPr lang="ru-RU" dirty="0" smtClean="0">
+              <a:latin typeface="Courier New" panose="02070309020205020404" pitchFamily="49" charset="0"/>
+              <a:cs typeface="Courier New" panose="02070309020205020404" pitchFamily="49" charset="0"/>
+            </a:endParaRPr>
+          </a:p>
+          <a:p>
+            <a:pPr rtl="0"/>
+            <a:r>
+              <a:rPr lang="ru-RU" dirty="0" smtClean="0"/>
+              <a:t>Если не вовремя</a:t>
+            </a:r>
+            <a:r>
+              <a:rPr lang="ru-RU" baseline="0" dirty="0" smtClean="0"/>
+              <a:t> заметить, что в новой версии браузера все элементы управления сильно сдвинуты вниз, то это может огорчить клиентов, которые пользуются вашим сайтом.</a:t>
+            </a:r>
             <a:endParaRPr lang="ru-RU" dirty="0" smtClean="0"/>
           </a:p>
         </p:txBody>
@@ -1880,92 +2709,29 @@
           <a:p>
             <a:pPr rtl="0"/>
             <a:r>
-              <a:rPr lang="ru-RU" b="1" dirty="0" smtClean="0"/>
-              <a:t>Цели</a:t>
+              <a:rPr lang="ru-RU" b="0" dirty="0" smtClean="0"/>
+              <a:t>Каждая из стадий разработки (детальное проектирование, проектирование архитектуры, концепция) влияет на планирование тестов (хотя</a:t>
+            </a:r>
+            <a:r>
+              <a:rPr lang="ru-RU" b="0" baseline="0" dirty="0" smtClean="0"/>
+              <a:t> тесты все равно разрабатываются после полной реализации</a:t>
+            </a:r>
+            <a:r>
+              <a:rPr lang="ru-RU" b="0" dirty="0" smtClean="0"/>
+              <a:t>).</a:t>
             </a:r>
           </a:p>
           <a:p>
             <a:pPr rtl="0"/>
-            <a:endParaRPr lang="ru-RU" b="1" dirty="0" smtClean="0"/>
-          </a:p>
-          <a:p>
-            <a:pPr rtl="0"/>
-            <a:r>
-              <a:rPr lang="ru-RU" dirty="0" smtClean="0"/>
-              <a:t>V-модель обеспечивает поддержку в планировании и реализации проекта. В ходе проекта ставятся следующие задачи:</a:t>
-            </a:r>
-          </a:p>
-          <a:p>
-            <a:pPr rtl="0"/>
+            <a:r>
+              <a:rPr lang="ru-RU" b="0" dirty="0" smtClean="0"/>
+              <a:t>Детальное проектирование имеет</a:t>
+            </a:r>
+            <a:r>
+              <a:rPr lang="ru-RU" b="0" baseline="0" dirty="0" smtClean="0"/>
+              <a:t> влияние на модульное тестирование, проектирование архитектуры – на тестирование и проверку всей системы, концепция – на приемочные испытания системы.</a:t>
+            </a:r>
             <a:endParaRPr lang="ru-RU" b="0" dirty="0" smtClean="0"/>
-          </a:p>
-          <a:p>
-            <a:pPr rtl="0"/>
-            <a:r>
-              <a:rPr lang="ru-RU" b="0" dirty="0" smtClean="0"/>
-              <a:t>Минимизация рисков: </a:t>
-            </a:r>
-            <a:r>
-              <a:rPr lang="ru-RU" dirty="0" smtClean="0"/>
-              <a:t>V-образная модель делает проект более прозрачным и повышает качество контроля проекта путём стандартизации промежуточных целей и описания соответствующих им результатов и ответственных лиц. Это позволяет выявлять отклонения в проекте и риски на ранних стадиях и улучшает качество управления проектов, уменьшая риски.</a:t>
-            </a:r>
-          </a:p>
-          <a:p>
-            <a:pPr rtl="0"/>
-            <a:endParaRPr lang="ru-RU" b="0" dirty="0" smtClean="0"/>
-          </a:p>
-          <a:p>
-            <a:pPr rtl="0"/>
-            <a:r>
-              <a:rPr lang="ru-RU" b="0" dirty="0" smtClean="0"/>
-              <a:t>Повышение и гарантии качества: </a:t>
-            </a:r>
-            <a:r>
-              <a:rPr lang="ru-RU" dirty="0" err="1" smtClean="0"/>
-              <a:t>V-Model</a:t>
-            </a:r>
-            <a:r>
-              <a:rPr lang="ru-RU" dirty="0" smtClean="0"/>
-              <a:t> — стандартизованная модель разработки, что позволяет добиться от проекта результатов желаемого качества. Промежуточные результаты могут быть проверены на ранних стадиях. Универсальное документирование облегчает читаемость, понятность и </a:t>
-            </a:r>
-            <a:r>
-              <a:rPr lang="ru-RU" dirty="0" err="1" smtClean="0"/>
-              <a:t>проверяемость</a:t>
-            </a:r>
-            <a:r>
-              <a:rPr lang="ru-RU" dirty="0" smtClean="0"/>
-              <a:t>.</a:t>
-            </a:r>
-          </a:p>
-          <a:p>
-            <a:pPr rtl="0"/>
-            <a:endParaRPr lang="ru-RU" b="0" dirty="0" smtClean="0"/>
-          </a:p>
-          <a:p>
-            <a:pPr rtl="0"/>
-            <a:r>
-              <a:rPr lang="ru-RU" b="0" dirty="0" smtClean="0"/>
-              <a:t>Уменьшение общей стоимости проекта: </a:t>
-            </a:r>
-            <a:r>
-              <a:rPr lang="ru-RU" dirty="0" smtClean="0"/>
-              <a:t>Ресурсы на разработку, производство, управление и поддержку могут быть заранее просчитаны и проконтролированы. Получаемые результаты также универсальны и легко прогнозируются. Это уменьшает затраты на последующие стадии и проекты.</a:t>
-            </a:r>
-          </a:p>
-          <a:p>
-            <a:pPr rtl="0"/>
-            <a:endParaRPr lang="ru-RU" b="0" dirty="0" smtClean="0"/>
-          </a:p>
-          <a:p>
-            <a:pPr rtl="0"/>
-            <a:r>
-              <a:rPr lang="ru-RU" b="0" dirty="0" smtClean="0"/>
-              <a:t>Повышение качества коммуникации между участниками проекта: </a:t>
-            </a:r>
-            <a:r>
-              <a:rPr lang="ru-RU" dirty="0" smtClean="0"/>
-              <a:t>Универсальное описание всех элементов и условий облегчает взаимопонимание всех участников проекта. Таким образом, уменьшаются неточности в понимании между пользователем, покупателем, поставщиком и разработчиком.</a:t>
-            </a:r>
           </a:p>
         </p:txBody>
       </p:sp>
@@ -2806,7 +3572,7 @@
               <a:t>FDD</a:t>
             </a:r>
             <a:r>
-              <a:rPr lang="ru-RU" sz="1200" i="1" kern="1200" dirty="0" smtClean="0">
+              <a:rPr lang="ru-RU" sz="1200" i="0" kern="1200" dirty="0" smtClean="0">
                 <a:solidFill>
                   <a:schemeClr val="tx1"/>
                 </a:solidFill>
@@ -2816,7 +3582,97 @@
               </a:rPr>
               <a:t>. </a:t>
             </a:r>
-            <a:endParaRPr lang="ru-RU" dirty="0" smtClean="0"/>
+            <a:endParaRPr lang="ru-RU" sz="1200" i="0" kern="1200" dirty="0" smtClean="0">
+              <a:solidFill>
+                <a:schemeClr val="tx1"/>
+              </a:solidFill>
+              <a:latin typeface="+mn-lt"/>
+              <a:ea typeface="+mn-ea"/>
+              <a:cs typeface="+mn-cs"/>
+            </a:endParaRPr>
+          </a:p>
+          <a:p>
+            <a:endParaRPr lang="ru-RU" sz="1200" i="0" kern="1200" dirty="0" smtClean="0">
+              <a:solidFill>
+                <a:schemeClr val="tx1"/>
+              </a:solidFill>
+              <a:latin typeface="+mn-lt"/>
+              <a:ea typeface="+mn-ea"/>
+              <a:cs typeface="+mn-cs"/>
+            </a:endParaRPr>
+          </a:p>
+          <a:p>
+            <a:r>
+              <a:rPr lang="ru-RU" sz="1200" i="0" kern="1200" dirty="0" smtClean="0">
+                <a:solidFill>
+                  <a:schemeClr val="tx1"/>
+                </a:solidFill>
+                <a:latin typeface="+mn-lt"/>
+                <a:ea typeface="+mn-ea"/>
+                <a:cs typeface="+mn-cs"/>
+              </a:rPr>
+              <a:t>Инкрементная модель</a:t>
+            </a:r>
+            <a:r>
+              <a:rPr lang="ru-RU" sz="1200" i="0" kern="1200" baseline="0" dirty="0" smtClean="0">
+                <a:solidFill>
+                  <a:schemeClr val="tx1"/>
+                </a:solidFill>
+                <a:latin typeface="+mn-lt"/>
+                <a:ea typeface="+mn-ea"/>
+                <a:cs typeface="+mn-cs"/>
+              </a:rPr>
+              <a:t> – функциональность добавляется постепенно.</a:t>
+            </a:r>
+          </a:p>
+          <a:p>
+            <a:r>
+              <a:rPr lang="ru-RU" sz="1200" i="0" kern="1200" baseline="0" dirty="0" smtClean="0">
+                <a:solidFill>
+                  <a:schemeClr val="tx1"/>
+                </a:solidFill>
+                <a:latin typeface="+mn-lt"/>
+                <a:ea typeface="+mn-ea"/>
+                <a:cs typeface="+mn-cs"/>
+              </a:rPr>
+              <a:t>Пример: выпуск1 – реализована работа с клиентами (регистрация, добавление, редактирование, удаления, логин и т.д.); выпуск2 – реализована работа с товарами и т.д.</a:t>
+            </a:r>
+          </a:p>
+          <a:p>
+            <a:endParaRPr lang="ru-RU" sz="1200" i="0" kern="1200" baseline="0" dirty="0" smtClean="0">
+              <a:solidFill>
+                <a:schemeClr val="tx1"/>
+              </a:solidFill>
+              <a:latin typeface="+mn-lt"/>
+              <a:ea typeface="+mn-ea"/>
+              <a:cs typeface="+mn-cs"/>
+            </a:endParaRPr>
+          </a:p>
+          <a:p>
+            <a:r>
+              <a:rPr lang="ru-RU" sz="1200" i="0" kern="1200" baseline="0" dirty="0" smtClean="0">
+                <a:solidFill>
+                  <a:schemeClr val="tx1"/>
+                </a:solidFill>
+                <a:latin typeface="+mn-lt"/>
+                <a:ea typeface="+mn-ea"/>
+                <a:cs typeface="+mn-cs"/>
+              </a:rPr>
+              <a:t>Итеративная модель – функциональность от итерации к итерации наращивается.</a:t>
+            </a:r>
+          </a:p>
+          <a:p>
+            <a:r>
+              <a:rPr lang="ru-RU" sz="1200" i="0" kern="1200" baseline="0" dirty="0" smtClean="0">
+                <a:solidFill>
+                  <a:schemeClr val="tx1"/>
+                </a:solidFill>
+                <a:latin typeface="+mn-lt"/>
+                <a:ea typeface="+mn-ea"/>
+                <a:cs typeface="+mn-cs"/>
+              </a:rPr>
+              <a:t>Пример: выпуск1 – добавление клиентов, регистрация, логин, добавление товаров, корзина; выпуск2 – редактирование, удаление информации о клиентах, редактирование, удаление товаров, поиск по сайту и т.д.</a:t>
+            </a:r>
           </a:p>
         </p:txBody>
       </p:sp>
@@ -2943,21 +3799,6 @@
           <a:p>
             <a:endParaRPr lang="en-US" dirty="0" smtClean="0"/>
           </a:p>
-          <a:p>
-            <a:r>
-              <a:rPr lang="ru-RU" dirty="0" smtClean="0"/>
-              <a:t>Уровни тестирования могут быть объединены или реорганизованы в зависимости от  природы проекта или архитектуры системы. Например, для интеграции коробочного продукта в какую-либо систему заказчик может выполнить интеграционное тестирование на уровне системного тестирования (например, интеграция с инфраструктурой и другими системами или развертывание системы) и приемочного тестирования ( функциональное </a:t>
-            </a:r>
-            <a:r>
-              <a:rPr lang="ru-RU" dirty="0" err="1" smtClean="0"/>
-              <a:t>и\или</a:t>
-            </a:r>
-            <a:r>
-              <a:rPr lang="ru-RU" dirty="0" smtClean="0"/>
-              <a:t> нефункциональное, и пользовательское и/или эксплуатационное). </a:t>
-            </a:r>
-            <a:endParaRPr lang="ru-RU" dirty="0"/>
-          </a:p>
         </p:txBody>
       </p:sp>
       <p:sp>
@@ -5301,7 +6142,7 @@
             <a:fld id="{1D8BD707-D9CF-40AE-B4C6-C98DA3205C09}" type="datetimeFigureOut">
               <a:rPr lang="en-US" smtClean="0"/>
               <a:pPr/>
-              <a:t>09-Jan-15</a:t>
+              <a:t>14-Jan-15</a:t>
             </a:fld>
             <a:endParaRPr lang="en-US"/>
           </a:p>
@@ -5468,7 +6309,7 @@
             <a:fld id="{1D8BD707-D9CF-40AE-B4C6-C98DA3205C09}" type="datetimeFigureOut">
               <a:rPr lang="en-US" smtClean="0"/>
               <a:pPr/>
-              <a:t>09-Jan-15</a:t>
+              <a:t>14-Jan-15</a:t>
             </a:fld>
             <a:endParaRPr lang="en-US"/>
           </a:p>
@@ -5645,7 +6486,7 @@
             <a:fld id="{1D8BD707-D9CF-40AE-B4C6-C98DA3205C09}" type="datetimeFigureOut">
               <a:rPr lang="en-US" smtClean="0"/>
               <a:pPr/>
-              <a:t>09-Jan-15</a:t>
+              <a:t>14-Jan-15</a:t>
             </a:fld>
             <a:endParaRPr lang="en-US"/>
           </a:p>
@@ -5812,7 +6653,7 @@
             <a:fld id="{1D8BD707-D9CF-40AE-B4C6-C98DA3205C09}" type="datetimeFigureOut">
               <a:rPr lang="en-US" smtClean="0"/>
               <a:pPr/>
-              <a:t>09-Jan-15</a:t>
+              <a:t>14-Jan-15</a:t>
             </a:fld>
             <a:endParaRPr lang="en-US"/>
           </a:p>
@@ -6055,7 +6896,7 @@
             <a:fld id="{1D8BD707-D9CF-40AE-B4C6-C98DA3205C09}" type="datetimeFigureOut">
               <a:rPr lang="en-US" smtClean="0"/>
               <a:pPr/>
-              <a:t>09-Jan-15</a:t>
+              <a:t>14-Jan-15</a:t>
             </a:fld>
             <a:endParaRPr lang="en-US"/>
           </a:p>
@@ -6340,7 +7181,7 @@
             <a:fld id="{1D8BD707-D9CF-40AE-B4C6-C98DA3205C09}" type="datetimeFigureOut">
               <a:rPr lang="en-US" smtClean="0"/>
               <a:pPr/>
-              <a:t>09-Jan-15</a:t>
+              <a:t>14-Jan-15</a:t>
             </a:fld>
             <a:endParaRPr lang="en-US"/>
           </a:p>
@@ -6759,7 +7600,7 @@
             <a:fld id="{1D8BD707-D9CF-40AE-B4C6-C98DA3205C09}" type="datetimeFigureOut">
               <a:rPr lang="en-US" smtClean="0"/>
               <a:pPr/>
-              <a:t>09-Jan-15</a:t>
+              <a:t>14-Jan-15</a:t>
             </a:fld>
             <a:endParaRPr lang="en-US"/>
           </a:p>
@@ -6874,7 +7715,7 @@
             <a:fld id="{1D8BD707-D9CF-40AE-B4C6-C98DA3205C09}" type="datetimeFigureOut">
               <a:rPr lang="en-US" smtClean="0"/>
               <a:pPr/>
-              <a:t>09-Jan-15</a:t>
+              <a:t>14-Jan-15</a:t>
             </a:fld>
             <a:endParaRPr lang="en-US"/>
           </a:p>
@@ -6966,7 +7807,7 @@
             <a:fld id="{1D8BD707-D9CF-40AE-B4C6-C98DA3205C09}" type="datetimeFigureOut">
               <a:rPr lang="en-US" smtClean="0"/>
               <a:pPr/>
-              <a:t>09-Jan-15</a:t>
+              <a:t>14-Jan-15</a:t>
             </a:fld>
             <a:endParaRPr lang="en-US"/>
           </a:p>
@@ -7240,7 +8081,7 @@
             <a:fld id="{1D8BD707-D9CF-40AE-B4C6-C98DA3205C09}" type="datetimeFigureOut">
               <a:rPr lang="en-US" smtClean="0"/>
               <a:pPr/>
-              <a:t>09-Jan-15</a:t>
+              <a:t>14-Jan-15</a:t>
             </a:fld>
             <a:endParaRPr lang="en-US"/>
           </a:p>
@@ -7490,7 +8331,7 @@
             <a:fld id="{1D8BD707-D9CF-40AE-B4C6-C98DA3205C09}" type="datetimeFigureOut">
               <a:rPr lang="en-US" smtClean="0"/>
               <a:pPr/>
-              <a:t>09-Jan-15</a:t>
+              <a:t>14-Jan-15</a:t>
             </a:fld>
             <a:endParaRPr lang="en-US"/>
           </a:p>
@@ -7709,7 +8550,7 @@
             <a:fld id="{1D8BD707-D9CF-40AE-B4C6-C98DA3205C09}" type="datetimeFigureOut">
               <a:rPr lang="en-US" smtClean="0"/>
               <a:pPr/>
-              <a:t>09-Jan-15</a:t>
+              <a:t>14-Jan-15</a:t>
             </a:fld>
             <a:endParaRPr lang="en-US"/>
           </a:p>
@@ -8179,7 +9020,7 @@
     </p:spTree>
     <p:extLst>
       <p:ext uri="{BB962C8B-B14F-4D97-AF65-F5344CB8AC3E}">
-        <p14:creationId xmlns="" xmlns:p14="http://schemas.microsoft.com/office/powerpoint/2010/main" val="1766645597"/>
+        <p14:creationId xmlns:p14="http://schemas.microsoft.com/office/powerpoint/2010/main" xmlns="" val="1766645597"/>
       </p:ext>
     </p:extLst>
   </p:cSld>
@@ -8628,7 +9469,7 @@
     </p:spTree>
     <p:extLst>
       <p:ext uri="{BB962C8B-B14F-4D97-AF65-F5344CB8AC3E}">
-        <p14:creationId xmlns="" xmlns:p14="http://schemas.microsoft.com/office/powerpoint/2010/main" val="4060775951"/>
+        <p14:creationId xmlns:p14="http://schemas.microsoft.com/office/powerpoint/2010/main" xmlns="" val="4060775951"/>
       </p:ext>
     </p:extLst>
   </p:cSld>
@@ -8636,7 +9477,7 @@
     <a:masterClrMapping/>
   </p:clrMapOvr>
   <mc:AlternateContent xmlns:mc="http://schemas.openxmlformats.org/markup-compatibility/2006">
-    <mc:Choice xmlns="" xmlns:p14="http://schemas.microsoft.com/office/powerpoint/2010/main" Requires="p14">
+    <mc:Choice xmlns:p14="http://schemas.microsoft.com/office/powerpoint/2010/main" xmlns="" Requires="p14">
       <p:transition spd="slow" p14:dur="2000"/>
     </mc:Choice>
     <mc:Fallback>
@@ -8755,15 +9596,7 @@
             </a:r>
             <a:r>
               <a:rPr lang="en-US" dirty="0" smtClean="0"/>
-              <a:t>- </a:t>
-            </a:r>
-            <a:r>
-              <a:rPr lang="en-US" dirty="0" smtClean="0"/>
-              <a:t>simulated </a:t>
-            </a:r>
-            <a:r>
-              <a:rPr lang="en-US" dirty="0" smtClean="0"/>
-              <a:t>or actual operational testing by potential users/customers or an independent test team at the developers’ site, but outside the development organization. Alpha testing is often employed for off-the-shelf software as a form of internal acceptance testing</a:t>
+              <a:t>- simulated or actual operational testing by potential users/customers or an independent test team at the developers’ site, but outside the development organization. Alpha testing is often employed for off-the-shelf software as a form of internal acceptance testing</a:t>
             </a:r>
             <a:endParaRPr lang="en-US" dirty="0"/>
           </a:p>
@@ -8834,11 +9667,7 @@
           <a:p>
             <a:r>
               <a:rPr lang="en-US" u="sng" dirty="0" smtClean="0"/>
-              <a:t>Beta </a:t>
-            </a:r>
-            <a:r>
-              <a:rPr lang="en-US" u="sng" dirty="0" smtClean="0"/>
-              <a:t>testing (Field Testing) </a:t>
+              <a:t>Beta testing (Field Testing) </a:t>
             </a:r>
             <a:r>
               <a:rPr lang="en-US" dirty="0" smtClean="0"/>
@@ -8913,23 +9742,11 @@
           <a:p>
             <a:r>
               <a:rPr lang="en-US" u="sng" dirty="0" smtClean="0"/>
-              <a:t>Component </a:t>
-            </a:r>
-            <a:r>
-              <a:rPr lang="en-US" u="sng" dirty="0" smtClean="0"/>
-              <a:t>testing </a:t>
+              <a:t>Component testing </a:t>
             </a:r>
             <a:r>
               <a:rPr lang="en-US" dirty="0" smtClean="0"/>
-              <a:t>- </a:t>
-            </a:r>
-            <a:r>
-              <a:rPr lang="en-US" dirty="0" smtClean="0"/>
-              <a:t>the </a:t>
-            </a:r>
-            <a:r>
-              <a:rPr lang="en-US" dirty="0" smtClean="0"/>
-              <a:t>testing of individual software components</a:t>
+              <a:t>- the testing of individual software components</a:t>
             </a:r>
             <a:endParaRPr lang="en-US" dirty="0"/>
           </a:p>
@@ -8980,7 +9797,7 @@
     </p:spTree>
     <p:extLst>
       <p:ext uri="{BB962C8B-B14F-4D97-AF65-F5344CB8AC3E}">
-        <p14:creationId xmlns="" xmlns:p14="http://schemas.microsoft.com/office/powerpoint/2010/main" val="4060775951"/>
+        <p14:creationId xmlns:p14="http://schemas.microsoft.com/office/powerpoint/2010/main" xmlns="" val="4060775951"/>
       </p:ext>
     </p:extLst>
   </p:cSld>
@@ -8988,7 +9805,7 @@
     <a:masterClrMapping/>
   </p:clrMapOvr>
   <mc:AlternateContent xmlns:mc="http://schemas.openxmlformats.org/markup-compatibility/2006">
-    <mc:Choice xmlns="" xmlns:p14="http://schemas.microsoft.com/office/powerpoint/2010/main" Requires="p14">
+    <mc:Choice xmlns:p14="http://schemas.microsoft.com/office/powerpoint/2010/main" xmlns="" Requires="p14">
       <p:transition spd="slow" p14:dur="2000"/>
     </mc:Choice>
     <mc:Fallback>
@@ -9107,15 +9924,7 @@
             </a:r>
             <a:r>
               <a:rPr lang="en-US" dirty="0" smtClean="0"/>
-              <a:t>- </a:t>
-            </a:r>
-            <a:r>
-              <a:rPr lang="en-US" dirty="0" smtClean="0"/>
-              <a:t>the </a:t>
-            </a:r>
-            <a:r>
-              <a:rPr lang="en-US" dirty="0" smtClean="0"/>
-              <a:t>process of combining components or systems into larger assemblies</a:t>
+              <a:t>- the process of combining components or systems into larger assemblies</a:t>
             </a:r>
             <a:endParaRPr lang="en-US" dirty="0"/>
           </a:p>
@@ -9186,23 +9995,11 @@
           <a:p>
             <a:r>
               <a:rPr lang="en-US" u="sng" dirty="0" smtClean="0"/>
-              <a:t>Integration </a:t>
-            </a:r>
-            <a:r>
-              <a:rPr lang="en-US" u="sng" dirty="0" smtClean="0"/>
-              <a:t>testing </a:t>
+              <a:t>Integration testing </a:t>
             </a:r>
             <a:r>
               <a:rPr lang="en-US" dirty="0" smtClean="0"/>
-              <a:t>- </a:t>
-            </a:r>
-            <a:r>
-              <a:rPr lang="en-US" dirty="0" smtClean="0"/>
-              <a:t>testing </a:t>
-            </a:r>
-            <a:r>
-              <a:rPr lang="en-US" dirty="0" smtClean="0"/>
-              <a:t>performed to expose defects in the interfaces and in the interactions between integrated components or systems</a:t>
+              <a:t>- testing performed to expose defects in the interfaces and in the interactions between integrated components or systems</a:t>
             </a:r>
             <a:endParaRPr lang="en-US" dirty="0"/>
           </a:p>
@@ -9277,15 +10074,7 @@
             </a:r>
             <a:r>
               <a:rPr lang="en-US" dirty="0" smtClean="0"/>
-              <a:t>- </a:t>
-            </a:r>
-            <a:r>
-              <a:rPr lang="en-US" dirty="0" smtClean="0"/>
-              <a:t>a </a:t>
-            </a:r>
-            <a:r>
-              <a:rPr lang="en-US" dirty="0" smtClean="0"/>
-              <a:t>software component or test tool that replaces a component that takes care of the control and/or the calling of a component or system</a:t>
+              <a:t>- a software component or test tool that replaces a component that takes care of the control and/or the calling of a component or system</a:t>
             </a:r>
             <a:endParaRPr lang="en-US" dirty="0"/>
           </a:p>
@@ -9411,7 +10200,7 @@
     </p:spTree>
     <p:extLst>
       <p:ext uri="{BB962C8B-B14F-4D97-AF65-F5344CB8AC3E}">
-        <p14:creationId xmlns="" xmlns:p14="http://schemas.microsoft.com/office/powerpoint/2010/main" val="4060775951"/>
+        <p14:creationId xmlns:p14="http://schemas.microsoft.com/office/powerpoint/2010/main" xmlns="" val="4060775951"/>
       </p:ext>
     </p:extLst>
   </p:cSld>
@@ -9419,7 +10208,7 @@
     <a:masterClrMapping/>
   </p:clrMapOvr>
   <mc:AlternateContent xmlns:mc="http://schemas.openxmlformats.org/markup-compatibility/2006">
-    <mc:Choice xmlns="" xmlns:p14="http://schemas.microsoft.com/office/powerpoint/2010/main" Requires="p14">
+    <mc:Choice xmlns:p14="http://schemas.microsoft.com/office/powerpoint/2010/main" xmlns="" Requires="p14">
       <p:transition spd="slow" p14:dur="2000"/>
     </mc:Choice>
     <mc:Fallback>
@@ -9546,15 +10335,7 @@
             </a:r>
             <a:r>
               <a:rPr lang="en-US" dirty="0" smtClean="0"/>
-              <a:t>t</a:t>
-            </a:r>
-            <a:r>
-              <a:rPr lang="en-US" dirty="0" smtClean="0"/>
-              <a:t>he </a:t>
-            </a:r>
-            <a:r>
-              <a:rPr lang="en-US" dirty="0" smtClean="0"/>
-              <a:t>process of testing an integrated system to verify that it meets specified requirements</a:t>
+              <a:t>the process of testing an integrated system to verify that it meets specified requirements</a:t>
             </a:r>
             <a:endParaRPr lang="en-US" dirty="0"/>
           </a:p>
@@ -9629,15 +10410,7 @@
             </a:r>
             <a:r>
               <a:rPr lang="en-US" dirty="0" smtClean="0"/>
-              <a:t>- </a:t>
-            </a:r>
-            <a:r>
-              <a:rPr lang="en-US" dirty="0" smtClean="0"/>
-              <a:t>an </a:t>
-            </a:r>
-            <a:r>
-              <a:rPr lang="en-US" dirty="0" smtClean="0"/>
-              <a:t>environment containing hardware, instrumentation, simulators, software tools, and other support elements needed to conduct a test</a:t>
+              <a:t>- an environment containing hardware, instrumentation, simulators, software tools, and other support elements needed to conduct a test</a:t>
             </a:r>
             <a:endParaRPr lang="en-US" dirty="0"/>
           </a:p>
@@ -9712,15 +10485,7 @@
             </a:r>
             <a:r>
               <a:rPr lang="en-US" dirty="0" smtClean="0"/>
-              <a:t>- </a:t>
-            </a:r>
-            <a:r>
-              <a:rPr lang="en-US" dirty="0" smtClean="0"/>
-              <a:t>a </a:t>
-            </a:r>
-            <a:r>
-              <a:rPr lang="en-US" dirty="0" smtClean="0"/>
-              <a:t>group of test activities that are organized and managed together. A test level is linked to the responsibilities in a project. Examples of test levels are component test, integration test, system test and acceptance test</a:t>
+              <a:t>- a group of test activities that are organized and managed together. A test level is linked to the responsibilities in a project. Examples of test levels are component test, integration test, system test and acceptance test</a:t>
             </a:r>
             <a:endParaRPr lang="en-US" dirty="0"/>
           </a:p>
@@ -9771,7 +10536,7 @@
     </p:spTree>
     <p:extLst>
       <p:ext uri="{BB962C8B-B14F-4D97-AF65-F5344CB8AC3E}">
-        <p14:creationId xmlns="" xmlns:p14="http://schemas.microsoft.com/office/powerpoint/2010/main" val="4060775951"/>
+        <p14:creationId xmlns:p14="http://schemas.microsoft.com/office/powerpoint/2010/main" xmlns="" val="4060775951"/>
       </p:ext>
     </p:extLst>
   </p:cSld>
@@ -9779,7 +10544,7 @@
     <a:masterClrMapping/>
   </p:clrMapOvr>
   <mc:AlternateContent xmlns:mc="http://schemas.openxmlformats.org/markup-compatibility/2006">
-    <mc:Choice xmlns="" xmlns:p14="http://schemas.microsoft.com/office/powerpoint/2010/main" Requires="p14">
+    <mc:Choice xmlns:p14="http://schemas.microsoft.com/office/powerpoint/2010/main" xmlns="" Requires="p14">
       <p:transition spd="slow" p14:dur="2000"/>
     </mc:Choice>
     <mc:Fallback>
@@ -9898,15 +10663,7 @@
             </a:r>
             <a:r>
               <a:rPr lang="en-US" dirty="0" smtClean="0"/>
-              <a:t>- </a:t>
-            </a:r>
-            <a:r>
-              <a:rPr lang="en-US" dirty="0" smtClean="0"/>
-              <a:t>a </a:t>
-            </a:r>
-            <a:r>
-              <a:rPr lang="en-US" dirty="0" smtClean="0"/>
-              <a:t>way of developing software where the test cases are developed, and often automated, before the software is developed to run those test cases</a:t>
+              <a:t>- a way of developing software where the test cases are developed, and often automated, before the software is developed to run those test cases</a:t>
             </a:r>
             <a:endParaRPr lang="en-US" dirty="0"/>
           </a:p>
@@ -9977,31 +10734,11 @@
           <a:p>
             <a:r>
               <a:rPr lang="en-US" u="sng" dirty="0" smtClean="0"/>
-              <a:t>User acceptance </a:t>
-            </a:r>
-            <a:r>
-              <a:rPr lang="en-US" u="sng" dirty="0" smtClean="0"/>
-              <a:t>testing (</a:t>
-            </a:r>
-            <a:r>
-              <a:rPr lang="en-US" u="sng" dirty="0" smtClean="0"/>
-              <a:t>A</a:t>
-            </a:r>
-            <a:r>
-              <a:rPr lang="en-US" u="sng" dirty="0" smtClean="0"/>
-              <a:t>cceptance Testing) </a:t>
+              <a:t>User acceptance testing (Acceptance Testing) </a:t>
             </a:r>
             <a:r>
               <a:rPr lang="en-US" dirty="0" smtClean="0"/>
-              <a:t>- </a:t>
-            </a:r>
-            <a:r>
-              <a:rPr lang="en-US" dirty="0" smtClean="0"/>
-              <a:t>formal </a:t>
-            </a:r>
-            <a:r>
-              <a:rPr lang="en-US" dirty="0" smtClean="0"/>
-              <a:t>testing with respect to user needs, requirements, and business processes conducted to determine whether or not a system satisfies the acceptance criteria and to enable the user, customers or other authorized entity to determine whether or not to accept the system</a:t>
+              <a:t>- formal testing with respect to user needs, requirements, and business processes conducted to determine whether or not a system satisfies the acceptance criteria and to enable the user, customers or other authorized entity to determine whether or not to accept the system</a:t>
             </a:r>
             <a:endParaRPr lang="en-US" dirty="0"/>
           </a:p>
@@ -10052,7 +10789,7 @@
     </p:spTree>
     <p:extLst>
       <p:ext uri="{BB962C8B-B14F-4D97-AF65-F5344CB8AC3E}">
-        <p14:creationId xmlns="" xmlns:p14="http://schemas.microsoft.com/office/powerpoint/2010/main" val="4060775951"/>
+        <p14:creationId xmlns:p14="http://schemas.microsoft.com/office/powerpoint/2010/main" xmlns="" val="4060775951"/>
       </p:ext>
     </p:extLst>
   </p:cSld>
@@ -10060,7 +10797,7 @@
     <a:masterClrMapping/>
   </p:clrMapOvr>
   <mc:AlternateContent xmlns:mc="http://schemas.openxmlformats.org/markup-compatibility/2006">
-    <mc:Choice xmlns="" xmlns:p14="http://schemas.microsoft.com/office/powerpoint/2010/main" Requires="p14">
+    <mc:Choice xmlns:p14="http://schemas.microsoft.com/office/powerpoint/2010/main" xmlns="" Requires="p14">
       <p:transition spd="slow" p14:dur="2000"/>
     </mc:Choice>
     <mc:Fallback>
@@ -10106,7 +10843,7 @@
           <a:blip r:embed="rId3" cstate="print">
             <a:extLst>
               <a:ext uri="{28A0092B-C50C-407E-A947-70E740481C1C}">
-                <a14:useLocalDpi xmlns="" xmlns:a14="http://schemas.microsoft.com/office/drawing/2010/main" val="0"/>
+                <a14:useLocalDpi xmlns:a14="http://schemas.microsoft.com/office/drawing/2010/main" xmlns="" val="0"/>
               </a:ext>
             </a:extLst>
           </a:blip>
@@ -10126,7 +10863,7 @@
           <a:noFill/>
           <a:extLst>
             <a:ext uri="{909E8E84-426E-40DD-AFC4-6F175D3DCCD1}">
-              <a14:hiddenFill xmlns="" xmlns:a14="http://schemas.microsoft.com/office/drawing/2010/main">
+              <a14:hiddenFill xmlns:a14="http://schemas.microsoft.com/office/drawing/2010/main" xmlns="">
                 <a:solidFill>
                   <a:srgbClr val="FFFFFF"/>
                 </a:solidFill>
@@ -10202,7 +10939,7 @@
         <p:spPr>
           <a:xfrm>
             <a:off x="683568" y="3923764"/>
-            <a:ext cx="6336704" cy="369332"/>
+            <a:ext cx="6336704" cy="646331"/>
           </a:xfrm>
           <a:prstGeom prst="rect">
             <a:avLst/>
@@ -10216,7 +10953,31 @@
           <a:p>
             <a:r>
               <a:rPr lang="en-US" b="1" dirty="0" smtClean="0"/>
-              <a:t>Write tests for a pen on each test level</a:t>
+              <a:t>Write tests for a pen on each test </a:t>
+            </a:r>
+            <a:r>
+              <a:rPr lang="en-US" b="1" dirty="0" smtClean="0"/>
+              <a:t>level</a:t>
+            </a:r>
+            <a:r>
+              <a:rPr lang="ru-RU" b="1" dirty="0" smtClean="0"/>
+              <a:t> (</a:t>
+            </a:r>
+            <a:r>
+              <a:rPr lang="en-US" b="1" dirty="0" smtClean="0"/>
+              <a:t>component, integration</a:t>
+            </a:r>
+            <a:r>
+              <a:rPr lang="en-US" b="1" smtClean="0"/>
+              <a:t>, system, </a:t>
+            </a:r>
+            <a:r>
+              <a:rPr lang="en-US" b="1" dirty="0" smtClean="0"/>
+              <a:t>acceptance</a:t>
+            </a:r>
+            <a:r>
+              <a:rPr lang="ru-RU" b="1" dirty="0" smtClean="0"/>
+              <a:t>)</a:t>
             </a:r>
             <a:endParaRPr lang="en-US" b="1" dirty="0"/>
           </a:p>
@@ -10274,19 +11035,7 @@
           <a:p>
             <a:r>
               <a:rPr lang="en-US" b="1" dirty="0" smtClean="0"/>
-              <a:t>Remember </a:t>
-            </a:r>
-            <a:r>
-              <a:rPr lang="en-US" b="1" dirty="0" smtClean="0"/>
-              <a:t>the terms </a:t>
-            </a:r>
-            <a:r>
-              <a:rPr lang="en-US" b="1" dirty="0" smtClean="0"/>
-              <a:t>from the </a:t>
-            </a:r>
-            <a:r>
-              <a:rPr lang="en-US" b="1" dirty="0" smtClean="0"/>
-              <a:t>lesson:</a:t>
+              <a:t>Remember the terms from the lesson:</a:t>
             </a:r>
           </a:p>
           <a:p>
@@ -10294,7 +11043,6 @@
               <a:rPr lang="en-US" b="1" i="1" dirty="0" smtClean="0"/>
               <a:t>validation, verification, alpha testing, filed testing, component testing, integration testing, system testing, acceptance testing </a:t>
             </a:r>
-            <a:endParaRPr lang="en-US" b="1" i="1" dirty="0" smtClean="0"/>
           </a:p>
         </p:txBody>
       </p:sp>
@@ -10356,7 +11104,7 @@
     </p:spTree>
     <p:extLst>
       <p:ext uri="{BB962C8B-B14F-4D97-AF65-F5344CB8AC3E}">
-        <p14:creationId xmlns="" xmlns:p14="http://schemas.microsoft.com/office/powerpoint/2010/main" val="3400026356"/>
+        <p14:creationId xmlns:p14="http://schemas.microsoft.com/office/powerpoint/2010/main" xmlns="" val="3400026356"/>
       </p:ext>
     </p:extLst>
   </p:cSld>
@@ -10855,7 +11603,6 @@
               <a:rPr lang="en-US" sz="2000" i="1" dirty="0" smtClean="0"/>
               <a:t>Explain difference between error and defect</a:t>
             </a:r>
-            <a:endParaRPr lang="en-US" sz="2000" i="1" dirty="0" smtClean="0"/>
           </a:p>
           <a:p>
             <a:pPr>
@@ -10892,11 +11639,7 @@
             </a:r>
             <a:r>
               <a:rPr lang="en-US" sz="2000" dirty="0" smtClean="0"/>
-              <a:t>defect </a:t>
-            </a:r>
-            <a:r>
-              <a:rPr lang="en-US" sz="2000" dirty="0" smtClean="0"/>
-              <a:t>clustering </a:t>
+              <a:t>defect clustering </a:t>
             </a:r>
             <a:r>
               <a:rPr lang="en-US" sz="2000" i="1" dirty="0" smtClean="0"/>
@@ -10921,15 +11664,7 @@
             </a:r>
             <a:r>
               <a:rPr lang="en-US" sz="2000" dirty="0" smtClean="0"/>
-              <a:t>p</a:t>
-            </a:r>
-            <a:r>
-              <a:rPr lang="en-US" sz="2000" dirty="0" smtClean="0"/>
-              <a:t>esticide </a:t>
-            </a:r>
-            <a:r>
-              <a:rPr lang="en-US" sz="2000" dirty="0" smtClean="0"/>
-              <a:t>paradox </a:t>
+              <a:t>pesticide paradox </a:t>
             </a:r>
             <a:r>
               <a:rPr lang="en-US" sz="2000" i="1" dirty="0" smtClean="0"/>
@@ -10952,14 +11687,13 @@
               <a:rPr lang="en-US" sz="2000" i="1" dirty="0" smtClean="0"/>
               <a:t>Let’s discuss your emailing home-tasks</a:t>
             </a:r>
-            <a:endParaRPr lang="en-US" sz="2000" i="1" dirty="0" smtClean="0"/>
           </a:p>
         </p:txBody>
       </p:sp>
     </p:spTree>
     <p:extLst>
       <p:ext uri="{BB962C8B-B14F-4D97-AF65-F5344CB8AC3E}">
-        <p14:creationId xmlns="" xmlns:p14="http://schemas.microsoft.com/office/powerpoint/2010/main" val="3292176594"/>
+        <p14:creationId xmlns:p14="http://schemas.microsoft.com/office/powerpoint/2010/main" xmlns="" val="3292176594"/>
       </p:ext>
     </p:extLst>
   </p:cSld>
@@ -11153,11 +11887,7 @@
           <a:p>
             <a:r>
               <a:rPr lang="en-US" dirty="0" smtClean="0"/>
-              <a:t>Software Development </a:t>
-            </a:r>
-            <a:r>
-              <a:rPr lang="en-US" dirty="0" smtClean="0"/>
-              <a:t>Models</a:t>
+              <a:t>Software Development Models</a:t>
             </a:r>
           </a:p>
           <a:p>
@@ -11191,11 +11921,7 @@
           <a:p>
             <a:r>
               <a:rPr lang="en-US" dirty="0" smtClean="0"/>
-              <a:t>Test </a:t>
-            </a:r>
-            <a:r>
-              <a:rPr lang="en-US" dirty="0" smtClean="0"/>
-              <a:t>Levels</a:t>
+              <a:t>Test Levels</a:t>
             </a:r>
           </a:p>
           <a:p>
@@ -11358,23 +12084,7 @@
           <a:p>
             <a:r>
               <a:rPr lang="en-US" i="1" dirty="0" smtClean="0"/>
-              <a:t>“Test Types” </a:t>
-            </a:r>
-            <a:r>
-              <a:rPr lang="en-US" i="1" dirty="0" smtClean="0"/>
-              <a:t>and “Maintenance Testing</a:t>
-            </a:r>
-            <a:r>
-              <a:rPr lang="en-US" i="1" dirty="0" smtClean="0"/>
-              <a:t>” as a part of </a:t>
-            </a:r>
-            <a:r>
-              <a:rPr lang="en-US" i="1" dirty="0" smtClean="0"/>
-              <a:t>the “Testing Throughout the Software Life Cycle</a:t>
-            </a:r>
-            <a:r>
-              <a:rPr lang="en-US" i="1" dirty="0" smtClean="0"/>
-              <a:t>”</a:t>
+              <a:t>“Test Types” and “Maintenance Testing” as a part of the “Testing Throughout the Software Life Cycle”</a:t>
             </a:r>
             <a:r>
               <a:rPr lang="ru-RU" i="1" dirty="0" smtClean="0"/>
@@ -11392,7 +12102,6 @@
               <a:rPr lang="en-US" i="1" dirty="0" smtClean="0"/>
               <a:t>examined on the next lesson</a:t>
             </a:r>
-            <a:endParaRPr lang="en-US" i="1" dirty="0" smtClean="0"/>
           </a:p>
           <a:p>
             <a:endParaRPr lang="en-US" dirty="0" smtClean="0"/>
@@ -11447,7 +12156,7 @@
     </p:spTree>
     <p:extLst>
       <p:ext uri="{BB962C8B-B14F-4D97-AF65-F5344CB8AC3E}">
-        <p14:creationId xmlns="" xmlns:p14="http://schemas.microsoft.com/office/powerpoint/2010/main" val="4060775951"/>
+        <p14:creationId xmlns:p14="http://schemas.microsoft.com/office/powerpoint/2010/main" xmlns="" val="4060775951"/>
       </p:ext>
     </p:extLst>
   </p:cSld>
@@ -11455,7 +12164,7 @@
     <a:masterClrMapping/>
   </p:clrMapOvr>
   <mc:AlternateContent xmlns:mc="http://schemas.openxmlformats.org/markup-compatibility/2006">
-    <mc:Choice xmlns="" xmlns:p14="http://schemas.microsoft.com/office/powerpoint/2010/main" Requires="p14">
+    <mc:Choice xmlns:p14="http://schemas.microsoft.com/office/powerpoint/2010/main" xmlns="" Requires="p14">
       <p:transition spd="slow" p14:dur="2000"/>
     </mc:Choice>
     <mc:Fallback>
@@ -11645,7 +12354,7 @@
     </p:spTree>
     <p:extLst>
       <p:ext uri="{BB962C8B-B14F-4D97-AF65-F5344CB8AC3E}">
-        <p14:creationId xmlns="" xmlns:p14="http://schemas.microsoft.com/office/powerpoint/2010/main" val="4060775951"/>
+        <p14:creationId xmlns:p14="http://schemas.microsoft.com/office/powerpoint/2010/main" xmlns="" val="4060775951"/>
       </p:ext>
     </p:extLst>
   </p:cSld>
@@ -11653,7 +12362,7 @@
     <a:masterClrMapping/>
   </p:clrMapOvr>
   <mc:AlternateContent xmlns:mc="http://schemas.openxmlformats.org/markup-compatibility/2006">
-    <mc:Choice xmlns="" xmlns:p14="http://schemas.microsoft.com/office/powerpoint/2010/main" Requires="p14">
+    <mc:Choice xmlns:p14="http://schemas.microsoft.com/office/powerpoint/2010/main" xmlns="" Requires="p14">
       <p:transition spd="slow" p14:dur="2000"/>
     </mc:Choice>
     <mc:Fallback>
@@ -11790,7 +12499,7 @@
     </p:spTree>
     <p:extLst>
       <p:ext uri="{BB962C8B-B14F-4D97-AF65-F5344CB8AC3E}">
-        <p14:creationId xmlns="" xmlns:p14="http://schemas.microsoft.com/office/powerpoint/2010/main" val="4060775951"/>
+        <p14:creationId xmlns:p14="http://schemas.microsoft.com/office/powerpoint/2010/main" xmlns="" val="4060775951"/>
       </p:ext>
     </p:extLst>
   </p:cSld>
@@ -11798,7 +12507,7 @@
     <a:masterClrMapping/>
   </p:clrMapOvr>
   <mc:AlternateContent xmlns:mc="http://schemas.openxmlformats.org/markup-compatibility/2006">
-    <mc:Choice xmlns="" xmlns:p14="http://schemas.microsoft.com/office/powerpoint/2010/main" Requires="p14">
+    <mc:Choice xmlns:p14="http://schemas.microsoft.com/office/powerpoint/2010/main" xmlns="" Requires="p14">
       <p:transition spd="slow" p14:dur="2000"/>
     </mc:Choice>
     <mc:Fallback>
@@ -11901,7 +12610,7 @@
     </p:spTree>
     <p:extLst>
       <p:ext uri="{BB962C8B-B14F-4D97-AF65-F5344CB8AC3E}">
-        <p14:creationId xmlns="" xmlns:p14="http://schemas.microsoft.com/office/powerpoint/2010/main" val="4060775951"/>
+        <p14:creationId xmlns:p14="http://schemas.microsoft.com/office/powerpoint/2010/main" xmlns="" val="4060775951"/>
       </p:ext>
     </p:extLst>
   </p:cSld>
@@ -11909,7 +12618,7 @@
     <a:masterClrMapping/>
   </p:clrMapOvr>
   <mc:AlternateContent xmlns:mc="http://schemas.openxmlformats.org/markup-compatibility/2006">
-    <mc:Choice xmlns="" xmlns:p14="http://schemas.microsoft.com/office/powerpoint/2010/main" Requires="p14">
+    <mc:Choice xmlns:p14="http://schemas.microsoft.com/office/powerpoint/2010/main" xmlns="" Requires="p14">
       <p:transition spd="slow" p14:dur="2000"/>
     </mc:Choice>
     <mc:Fallback>
@@ -11981,43 +12690,7 @@
                   </a:outerShdw>
                 </a:effectLst>
               </a:rPr>
-              <a:t>Characteristics </a:t>
-            </a:r>
-            <a:r>
-              <a:rPr lang="en-US" sz="3500" dirty="0" smtClean="0">
-                <a:solidFill>
-                  <a:schemeClr val="tx1">
-                    <a:lumMod val="65000"/>
-                    <a:lumOff val="35000"/>
-                  </a:schemeClr>
-                </a:solidFill>
-                <a:effectLst>
-                  <a:outerShdw blurRad="38100" dist="38100" dir="2700000" algn="tl">
-                    <a:srgbClr val="000000">
-                      <a:alpha val="43137"/>
-                    </a:srgbClr>
-                  </a:outerShdw>
-                </a:effectLst>
-              </a:rPr>
-              <a:t>of good </a:t>
-            </a:r>
-            <a:r>
-              <a:rPr lang="en-US" sz="3500" dirty="0" smtClean="0">
-                <a:solidFill>
-                  <a:schemeClr val="tx1">
-                    <a:lumMod val="65000"/>
-                    <a:lumOff val="35000"/>
-                  </a:schemeClr>
-                </a:solidFill>
-                <a:effectLst>
-                  <a:outerShdw blurRad="38100" dist="38100" dir="2700000" algn="tl">
-                    <a:srgbClr val="000000">
-                      <a:alpha val="43137"/>
-                    </a:srgbClr>
-                  </a:outerShdw>
-                </a:effectLst>
-              </a:rPr>
-              <a:t>testing in any lifecycle model</a:t>
+              <a:t>Characteristics of good testing in any lifecycle model</a:t>
             </a:r>
             <a:endParaRPr lang="en-US" sz="3500" dirty="0">
               <a:solidFill>
@@ -12324,7 +12997,7 @@
     </p:spTree>
     <p:extLst>
       <p:ext uri="{BB962C8B-B14F-4D97-AF65-F5344CB8AC3E}">
-        <p14:creationId xmlns="" xmlns:p14="http://schemas.microsoft.com/office/powerpoint/2010/main" val="4060775951"/>
+        <p14:creationId xmlns:p14="http://schemas.microsoft.com/office/powerpoint/2010/main" xmlns="" val="4060775951"/>
       </p:ext>
     </p:extLst>
   </p:cSld>
@@ -12332,7 +13005,7 @@
     <a:masterClrMapping/>
   </p:clrMapOvr>
   <mc:AlternateContent xmlns:mc="http://schemas.openxmlformats.org/markup-compatibility/2006">
-    <mc:Choice xmlns="" xmlns:p14="http://schemas.microsoft.com/office/powerpoint/2010/main" Requires="p14">
+    <mc:Choice xmlns:p14="http://schemas.microsoft.com/office/powerpoint/2010/main" xmlns="" Requires="p14">
       <p:transition spd="slow" p14:dur="2000"/>
     </mc:Choice>
     <mc:Fallback>
@@ -12451,15 +13124,7 @@
             </a:r>
             <a:r>
               <a:rPr lang="en-US" dirty="0" smtClean="0"/>
-              <a:t>- </a:t>
-            </a:r>
-            <a:r>
-              <a:rPr lang="en-US" dirty="0" smtClean="0"/>
-              <a:t>a </a:t>
-            </a:r>
-            <a:r>
-              <a:rPr lang="en-US" dirty="0" smtClean="0"/>
-              <a:t>software product that is developed for the general market, i.e. for a large number of customers, and that is delivered to many customers in identical format</a:t>
+              <a:t>- a software product that is developed for the general market, i.e. for a large number of customers, and that is delivered to many customers in identical format</a:t>
             </a:r>
             <a:endParaRPr lang="en-US" dirty="0"/>
           </a:p>
@@ -12534,41 +13199,17 @@
             </a:r>
             <a:r>
               <a:rPr lang="en-US" dirty="0" smtClean="0"/>
-              <a:t>- </a:t>
+              <a:t>- a development life cycle where a project is broken into a series of increments, each of which delivers a portion of the functionality in the overall project requirements. The requirements are prioritized and delivered in priority order in the appropriate increment. In some (but not all) versions of this life cycle model, each subproject follows a ‘mini V-model’ with its own design, coding and testing phases.</a:t>
+            </a:r>
+          </a:p>
+          <a:p>
+            <a:r>
+              <a:rPr lang="en-US" u="sng" dirty="0" smtClean="0"/>
+              <a:t>Iterative Development Model </a:t>
             </a:r>
             <a:r>
               <a:rPr lang="en-US" dirty="0" smtClean="0"/>
-              <a:t>a </a:t>
-            </a:r>
-            <a:r>
-              <a:rPr lang="en-US" dirty="0" smtClean="0"/>
-              <a:t>development life cycle where a project is broken into a series of increments, each of which delivers a portion of the functionality in the overall project requirements. The requirements are prioritized and delivered in priority order in the appropriate increment. In some (but not all) versions of this life cycle model, each subproject follows a ‘mini V-model’ with its own design, coding and testing </a:t>
-            </a:r>
-            <a:r>
-              <a:rPr lang="en-US" dirty="0" smtClean="0"/>
-              <a:t>phases.</a:t>
-            </a:r>
-          </a:p>
-          <a:p>
-            <a:r>
-              <a:rPr lang="en-US" u="sng" dirty="0" smtClean="0"/>
-              <a:t>Iterative Development </a:t>
-            </a:r>
-            <a:r>
-              <a:rPr lang="en-US" u="sng" dirty="0" smtClean="0"/>
-              <a:t>M</a:t>
-            </a:r>
-            <a:r>
-              <a:rPr lang="en-US" u="sng" dirty="0" smtClean="0"/>
-              <a:t>odel </a:t>
-            </a:r>
-            <a:r>
-              <a:rPr lang="en-US" dirty="0" smtClean="0"/>
-              <a:t>- a </a:t>
-            </a:r>
-            <a:r>
-              <a:rPr lang="en-US" dirty="0" smtClean="0"/>
-              <a:t>development life cycle where a project is broken into a usually large number of iterations. An iteration is a complete development loop resulting in a release (internal or external) of an executable product, a subset of the final product under development, which grows from iteration to iteration to become the final product</a:t>
+              <a:t>- a development life cycle where a project is broken into a usually large number of iterations. An iteration is a complete development loop resulting in a release (internal or external) of an executable product, a subset of the final product under development, which grows from iteration to iteration to become the final product</a:t>
             </a:r>
             <a:endParaRPr lang="en-US" dirty="0"/>
           </a:p>
@@ -12619,7 +13260,7 @@
     </p:spTree>
     <p:extLst>
       <p:ext uri="{BB962C8B-B14F-4D97-AF65-F5344CB8AC3E}">
-        <p14:creationId xmlns="" xmlns:p14="http://schemas.microsoft.com/office/powerpoint/2010/main" val="4060775951"/>
+        <p14:creationId xmlns:p14="http://schemas.microsoft.com/office/powerpoint/2010/main" xmlns="" val="4060775951"/>
       </p:ext>
     </p:extLst>
   </p:cSld>
@@ -12627,7 +13268,7 @@
     <a:masterClrMapping/>
   </p:clrMapOvr>
   <mc:AlternateContent xmlns:mc="http://schemas.openxmlformats.org/markup-compatibility/2006">
-    <mc:Choice xmlns="" xmlns:p14="http://schemas.microsoft.com/office/powerpoint/2010/main" Requires="p14">
+    <mc:Choice xmlns:p14="http://schemas.microsoft.com/office/powerpoint/2010/main" xmlns="" Requires="p14">
       <p:transition spd="slow" p14:dur="2000"/>
     </mc:Choice>
     <mc:Fallback>
@@ -12746,15 +13387,7 @@
             </a:r>
             <a:r>
               <a:rPr lang="en-US" dirty="0" smtClean="0"/>
-              <a:t>- </a:t>
-            </a:r>
-            <a:r>
-              <a:rPr lang="en-US" dirty="0" smtClean="0"/>
-              <a:t>confirmation </a:t>
-            </a:r>
-            <a:r>
-              <a:rPr lang="en-US" dirty="0" smtClean="0"/>
-              <a:t>by examination and through provision of objective evidence that the requirements for a specific intended use or application have been fulfilled</a:t>
+              <a:t>- confirmation by examination and through provision of objective evidence that the requirements for a specific intended use or application have been fulfilled</a:t>
             </a:r>
             <a:endParaRPr lang="en-US" dirty="0"/>
           </a:p>
@@ -12829,15 +13462,7 @@
             </a:r>
             <a:r>
               <a:rPr lang="en-US" dirty="0" smtClean="0"/>
-              <a:t>- </a:t>
-            </a:r>
-            <a:r>
-              <a:rPr lang="en-US" dirty="0" smtClean="0"/>
-              <a:t>confirmation </a:t>
-            </a:r>
-            <a:r>
-              <a:rPr lang="en-US" dirty="0" smtClean="0"/>
-              <a:t>by examination and through provision of objective evidence that specified requirements have been fulfilled</a:t>
+              <a:t>- confirmation by examination and through provision of objective evidence that specified requirements have been fulfilled</a:t>
             </a:r>
             <a:endParaRPr lang="en-US" dirty="0"/>
           </a:p>
@@ -12912,15 +13537,7 @@
             </a:r>
             <a:r>
               <a:rPr lang="en-US" dirty="0" smtClean="0"/>
-              <a:t>- </a:t>
-            </a:r>
-            <a:r>
-              <a:rPr lang="en-US" dirty="0" smtClean="0"/>
-              <a:t>a </a:t>
-            </a:r>
-            <a:r>
-              <a:rPr lang="en-US" dirty="0" smtClean="0"/>
-              <a:t>framework to describe the software development life cycle activities from requirements specification to maintenance. The V-model illustrates how testing activities can be integrated into each phase of the software development life cycle</a:t>
+              <a:t>- a framework to describe the software development life cycle activities from requirements specification to maintenance. The V-model illustrates how testing activities can be integrated into each phase of the software development life cycle</a:t>
             </a:r>
             <a:endParaRPr lang="en-US" dirty="0"/>
           </a:p>
@@ -12971,7 +13588,7 @@
     </p:spTree>
     <p:extLst>
       <p:ext uri="{BB962C8B-B14F-4D97-AF65-F5344CB8AC3E}">
-        <p14:creationId xmlns="" xmlns:p14="http://schemas.microsoft.com/office/powerpoint/2010/main" val="4060775951"/>
+        <p14:creationId xmlns:p14="http://schemas.microsoft.com/office/powerpoint/2010/main" xmlns="" val="4060775951"/>
       </p:ext>
     </p:extLst>
   </p:cSld>
@@ -12979,7 +13596,7 @@
     <a:masterClrMapping/>
   </p:clrMapOvr>
   <mc:AlternateContent xmlns:mc="http://schemas.openxmlformats.org/markup-compatibility/2006">
-    <mc:Choice xmlns="" xmlns:p14="http://schemas.microsoft.com/office/powerpoint/2010/main" Requires="p14">
+    <mc:Choice xmlns:p14="http://schemas.microsoft.com/office/powerpoint/2010/main" xmlns="" Requires="p14">
       <p:transition spd="slow" p14:dur="2000"/>
     </mc:Choice>
     <mc:Fallback>
